--- a/Defi-IA_Oral-presentation.pptx
+++ b/Defi-IA_Oral-presentation.pptx
@@ -236,7 +236,7 @@
           <a:p>
             <a:fld id="{F408595F-EE48-47AB-8046-B55DB855A31F}" type="datetimeFigureOut">
               <a:rPr lang="en-US" smtClean="0"/>
-              <a:t>1/4/22</a:t>
+              <a:t>1/9/22</a:t>
             </a:fld>
             <a:endParaRPr lang="en-US"/>
           </a:p>
@@ -413,7 +413,7 @@
           <a:p>
             <a:fld id="{724A8F37-AADD-41A6-A475-897579AE05E0}" type="datetimeFigureOut">
               <a:rPr lang="en-US" smtClean="0"/>
-              <a:t>1/4/22</a:t>
+              <a:t>1/9/22</a:t>
             </a:fld>
             <a:endParaRPr lang="en-US"/>
           </a:p>
@@ -3466,7 +3466,7 @@
           <a:p>
             <a:fld id="{638941B0-F4D5-4460-BCAD-F7E2B41A8257}" type="datetimeFigureOut">
               <a:rPr lang="de-DE" smtClean="0"/>
-              <a:t>04.01.22</a:t>
+              <a:t>09.01.22</a:t>
             </a:fld>
             <a:endParaRPr lang="de-DE"/>
           </a:p>
@@ -3852,7 +3852,7 @@
           <a:p>
             <a:fld id="{638941B0-F4D5-4460-BCAD-F7E2B41A8257}" type="datetimeFigureOut">
               <a:rPr lang="de-DE" smtClean="0"/>
-              <a:t>04.01.22</a:t>
+              <a:t>09.01.22</a:t>
             </a:fld>
             <a:endParaRPr lang="de-DE"/>
           </a:p>
@@ -6463,7 +6463,7 @@
           <a:p>
             <a:fld id="{638941B0-F4D5-4460-BCAD-F7E2B41A8257}" type="datetimeFigureOut">
               <a:rPr lang="de-DE" smtClean="0"/>
-              <a:t>04.01.22</a:t>
+              <a:t>09.01.22</a:t>
             </a:fld>
             <a:endParaRPr lang="de-DE"/>
           </a:p>
@@ -11085,10 +11085,10 @@
       </p:sp>
       <p:grpSp>
         <p:nvGrpSpPr>
-          <p:cNvPr id="47" name="Groupe 46">
+          <p:cNvPr id="2" name="Groupe 1">
             <a:extLst>
               <a:ext uri="{FF2B5EF4-FFF2-40B4-BE49-F238E27FC236}">
-                <a16:creationId xmlns:a16="http://schemas.microsoft.com/office/drawing/2014/main" id="{12F490B3-CA2E-4ADB-AA6B-A337A839CE87}"/>
+                <a16:creationId xmlns:a16="http://schemas.microsoft.com/office/drawing/2014/main" id="{3D0672BF-8F6B-C943-B4A9-F3CABE0F86D3}"/>
               </a:ext>
             </a:extLst>
           </p:cNvPr>
@@ -11105,10 +11105,10 @@
         </p:grpSpPr>
         <p:grpSp>
           <p:nvGrpSpPr>
-            <p:cNvPr id="4" name="Groupe 3">
+            <p:cNvPr id="47" name="Groupe 46">
               <a:extLst>
                 <a:ext uri="{FF2B5EF4-FFF2-40B4-BE49-F238E27FC236}">
-                  <a16:creationId xmlns:a16="http://schemas.microsoft.com/office/drawing/2014/main" id="{ADFEA964-7055-47E0-A25A-62A3B377E580}"/>
+                  <a16:creationId xmlns:a16="http://schemas.microsoft.com/office/drawing/2014/main" id="{12F490B3-CA2E-4ADB-AA6B-A337A839CE87}"/>
                 </a:ext>
               </a:extLst>
             </p:cNvPr>
@@ -11123,53 +11123,12 @@
               <a:chExt cx="5825243" cy="4176562"/>
             </a:xfrm>
           </p:grpSpPr>
-          <p:pic>
-            <p:nvPicPr>
-              <p:cNvPr id="3" name="Image 2">
+          <p:grpSp>
+            <p:nvGrpSpPr>
+              <p:cNvPr id="4" name="Groupe 3">
                 <a:extLst>
                   <a:ext uri="{FF2B5EF4-FFF2-40B4-BE49-F238E27FC236}">
-                    <a16:creationId xmlns:a16="http://schemas.microsoft.com/office/drawing/2014/main" id="{1CF2C2CC-AE91-4AA0-912E-DDCE7B55E364}"/>
-                  </a:ext>
-                </a:extLst>
-              </p:cNvPr>
-              <p:cNvPicPr>
-                <a:picLocks noChangeAspect="1"/>
-              </p:cNvPicPr>
-              <p:nvPr/>
-            </p:nvPicPr>
-            <p:blipFill>
-              <a:blip r:embed="rId2">
-                <a:extLst>
-                  <a:ext uri="{28A0092B-C50C-407E-A947-70E740481C1C}">
-                    <a14:useLocalDpi xmlns:a14="http://schemas.microsoft.com/office/drawing/2010/main" val="0"/>
-                  </a:ext>
-                </a:extLst>
-              </a:blip>
-              <a:stretch>
-                <a:fillRect/>
-              </a:stretch>
-            </p:blipFill>
-            <p:spPr>
-              <a:xfrm>
-                <a:off x="3166610" y="1947543"/>
-                <a:ext cx="5783821" cy="4131300"/>
-              </a:xfrm>
-              <a:prstGeom prst="rect">
-                <a:avLst/>
-              </a:prstGeom>
-              <a:ln w="12700">
-                <a:solidFill>
-                  <a:schemeClr val="tx1"/>
-                </a:solidFill>
-              </a:ln>
-            </p:spPr>
-          </p:pic>
-          <p:grpSp>
-            <p:nvGrpSpPr>
-              <p:cNvPr id="50" name="Groupe 49">
-                <a:extLst>
-                  <a:ext uri="{FF2B5EF4-FFF2-40B4-BE49-F238E27FC236}">
-                    <a16:creationId xmlns:a16="http://schemas.microsoft.com/office/drawing/2014/main" id="{408166E5-126D-455A-AA89-FE7106F6DAE1}"/>
+                    <a16:creationId xmlns:a16="http://schemas.microsoft.com/office/drawing/2014/main" id="{ADFEA964-7055-47E0-A25A-62A3B377E580}"/>
                   </a:ext>
                 </a:extLst>
               </p:cNvPr>
@@ -11178,108 +11137,591 @@
             </p:nvGrpSpPr>
             <p:grpSpPr>
               <a:xfrm>
-                <a:off x="3765180" y="1902281"/>
-                <a:ext cx="5226673" cy="3727359"/>
-                <a:chOff x="3886479" y="1843587"/>
-                <a:chExt cx="5226673" cy="3727359"/>
+                <a:off x="3166610" y="1902281"/>
+                <a:ext cx="5825243" cy="4176562"/>
+                <a:chOff x="3166610" y="1902281"/>
+                <a:chExt cx="5825243" cy="4176562"/>
               </a:xfrm>
             </p:grpSpPr>
-            <p:sp>
-              <p:nvSpPr>
-                <p:cNvPr id="21" name="ZoneTexte 20">
+            <p:pic>
+              <p:nvPicPr>
+                <p:cNvPr id="3" name="Image 2">
                   <a:extLst>
                     <a:ext uri="{FF2B5EF4-FFF2-40B4-BE49-F238E27FC236}">
-                      <a16:creationId xmlns:a16="http://schemas.microsoft.com/office/drawing/2014/main" id="{B2231499-941B-416F-95F3-74889B6CD95A}"/>
+                      <a16:creationId xmlns:a16="http://schemas.microsoft.com/office/drawing/2014/main" id="{1CF2C2CC-AE91-4AA0-912E-DDCE7B55E364}"/>
                     </a:ext>
                   </a:extLst>
                 </p:cNvPr>
-                <p:cNvSpPr txBox="1"/>
+                <p:cNvPicPr>
+                  <a:picLocks noChangeAspect="1"/>
+                </p:cNvPicPr>
                 <p:nvPr/>
-              </p:nvSpPr>
+              </p:nvPicPr>
+              <p:blipFill>
+                <a:blip r:embed="rId2">
+                  <a:extLst>
+                    <a:ext uri="{28A0092B-C50C-407E-A947-70E740481C1C}">
+                      <a14:useLocalDpi xmlns:a14="http://schemas.microsoft.com/office/drawing/2010/main" val="0"/>
+                    </a:ext>
+                  </a:extLst>
+                </a:blip>
+                <a:stretch>
+                  <a:fillRect/>
+                </a:stretch>
+              </p:blipFill>
               <p:spPr>
                 <a:xfrm>
-                  <a:off x="3993337" y="2780666"/>
-                  <a:ext cx="1044201" cy="523220"/>
+                  <a:off x="3166610" y="1947543"/>
+                  <a:ext cx="5783821" cy="4131300"/>
                 </a:xfrm>
                 <a:prstGeom prst="rect">
                   <a:avLst/>
                 </a:prstGeom>
-                <a:noFill/>
+                <a:ln w="12700">
+                  <a:solidFill>
+                    <a:schemeClr val="tx1"/>
+                  </a:solidFill>
+                </a:ln>
               </p:spPr>
-              <p:txBody>
-                <a:bodyPr wrap="square" rtlCol="0">
-                  <a:spAutoFit/>
-                </a:bodyPr>
-                <a:lstStyle/>
-                <a:p>
-                  <a:r>
-                    <a:rPr lang="en-US" sz="1400">
+            </p:pic>
+            <p:grpSp>
+              <p:nvGrpSpPr>
+                <p:cNvPr id="50" name="Groupe 49">
+                  <a:extLst>
+                    <a:ext uri="{FF2B5EF4-FFF2-40B4-BE49-F238E27FC236}">
+                      <a16:creationId xmlns:a16="http://schemas.microsoft.com/office/drawing/2014/main" id="{408166E5-126D-455A-AA89-FE7106F6DAE1}"/>
+                    </a:ext>
+                  </a:extLst>
+                </p:cNvPr>
+                <p:cNvGrpSpPr/>
+                <p:nvPr/>
+              </p:nvGrpSpPr>
+              <p:grpSpPr>
+                <a:xfrm>
+                  <a:off x="3765180" y="1902281"/>
+                  <a:ext cx="5226673" cy="3727359"/>
+                  <a:chOff x="3886479" y="1843587"/>
+                  <a:chExt cx="5226673" cy="3727359"/>
+                </a:xfrm>
+              </p:grpSpPr>
+              <p:sp>
+                <p:nvSpPr>
+                  <p:cNvPr id="21" name="ZoneTexte 20">
+                    <a:extLst>
+                      <a:ext uri="{FF2B5EF4-FFF2-40B4-BE49-F238E27FC236}">
+                        <a16:creationId xmlns:a16="http://schemas.microsoft.com/office/drawing/2014/main" id="{B2231499-941B-416F-95F3-74889B6CD95A}"/>
+                      </a:ext>
+                    </a:extLst>
+                  </p:cNvPr>
+                  <p:cNvSpPr txBox="1"/>
+                  <p:nvPr/>
+                </p:nvSpPr>
+                <p:spPr>
+                  <a:xfrm>
+                    <a:off x="3993337" y="2780666"/>
+                    <a:ext cx="1044201" cy="523220"/>
+                  </a:xfrm>
+                  <a:prstGeom prst="rect">
+                    <a:avLst/>
+                  </a:prstGeom>
+                  <a:noFill/>
+                </p:spPr>
+                <p:txBody>
+                  <a:bodyPr wrap="square" rtlCol="0">
+                    <a:spAutoFit/>
+                  </a:bodyPr>
+                  <a:lstStyle/>
+                  <a:p>
+                    <a:r>
+                      <a:rPr lang="en-US" sz="1400">
+                        <a:latin typeface="Vijaya" panose="020B0502040204020203" pitchFamily="18" charset="0"/>
+                        <a:ea typeface="Batang" panose="020B0503020000020004" pitchFamily="18" charset="-127"/>
+                        <a:cs typeface="Vijaya" panose="020B0502040204020203" pitchFamily="18" charset="0"/>
+                      </a:rPr>
+                      <a:t>Baseline observations</a:t>
+                    </a:r>
+                  </a:p>
+                </p:txBody>
+              </p:sp>
+              <p:sp>
+                <p:nvSpPr>
+                  <p:cNvPr id="22" name="ZoneTexte 21">
+                    <a:extLst>
+                      <a:ext uri="{FF2B5EF4-FFF2-40B4-BE49-F238E27FC236}">
+                        <a16:creationId xmlns:a16="http://schemas.microsoft.com/office/drawing/2014/main" id="{3F1FA828-B9E7-42AD-8DF9-9C5FDC5690B5}"/>
+                      </a:ext>
+                    </a:extLst>
+                  </p:cNvPr>
+                  <p:cNvSpPr txBox="1"/>
+                  <p:nvPr/>
+                </p:nvSpPr>
+                <p:spPr>
+                  <a:xfrm>
+                    <a:off x="4811695" y="1843587"/>
+                    <a:ext cx="1669004" cy="307777"/>
+                  </a:xfrm>
+                  <a:prstGeom prst="rect">
+                    <a:avLst/>
+                  </a:prstGeom>
+                  <a:noFill/>
+                </p:spPr>
+                <p:txBody>
+                  <a:bodyPr wrap="square" rtlCol="0">
+                    <a:spAutoFit/>
+                  </a:bodyPr>
+                  <a:lstStyle/>
+                  <a:p>
+                    <a:r>
+                      <a:rPr lang="en-US" sz="1400">
+                        <a:latin typeface="Vijaya" panose="020B0502040204020203" pitchFamily="18" charset="0"/>
+                        <a:ea typeface="Batang" panose="020B0503020000020004" pitchFamily="18" charset="-127"/>
+                        <a:cs typeface="Vijaya" panose="020B0502040204020203" pitchFamily="18" charset="0"/>
+                      </a:rPr>
+                      <a:t>Régression linéaire</a:t>
+                    </a:r>
+                  </a:p>
+                </p:txBody>
+              </p:sp>
+              <p:cxnSp>
+                <p:nvCxnSpPr>
+                  <p:cNvPr id="14" name="Connecteur droit avec flèche 13">
+                    <a:extLst>
+                      <a:ext uri="{FF2B5EF4-FFF2-40B4-BE49-F238E27FC236}">
+                        <a16:creationId xmlns:a16="http://schemas.microsoft.com/office/drawing/2014/main" id="{74B6EC4A-55E3-4884-8056-F9C2089965DA}"/>
+                      </a:ext>
+                    </a:extLst>
+                  </p:cNvPr>
+                  <p:cNvCxnSpPr>
+                    <a:cxnSpLocks/>
+                    <a:stCxn id="22" idx="1"/>
+                  </p:cNvCxnSpPr>
+                  <p:nvPr/>
+                </p:nvCxnSpPr>
+                <p:spPr>
+                  <a:xfrm flipH="1">
+                    <a:off x="4125193" y="1997476"/>
+                    <a:ext cx="686502" cy="120882"/>
+                  </a:xfrm>
+                  <a:prstGeom prst="straightConnector1">
+                    <a:avLst/>
+                  </a:prstGeom>
+                  <a:ln w="28575">
+                    <a:tailEnd type="triangle"/>
+                  </a:ln>
+                </p:spPr>
+                <p:style>
+                  <a:lnRef idx="1">
+                    <a:schemeClr val="accent1"/>
+                  </a:lnRef>
+                  <a:fillRef idx="0">
+                    <a:schemeClr val="accent1"/>
+                  </a:fillRef>
+                  <a:effectRef idx="0">
+                    <a:schemeClr val="accent1"/>
+                  </a:effectRef>
+                  <a:fontRef idx="minor">
+                    <a:schemeClr val="tx1"/>
+                  </a:fontRef>
+                </p:style>
+              </p:cxnSp>
+              <p:cxnSp>
+                <p:nvCxnSpPr>
+                  <p:cNvPr id="18" name="Connecteur droit avec flèche 17">
+                    <a:extLst>
+                      <a:ext uri="{FF2B5EF4-FFF2-40B4-BE49-F238E27FC236}">
+                        <a16:creationId xmlns:a16="http://schemas.microsoft.com/office/drawing/2014/main" id="{E17EBE50-863D-4853-A90E-BB2F0898BA6D}"/>
+                      </a:ext>
+                    </a:extLst>
+                  </p:cNvPr>
+                  <p:cNvCxnSpPr>
+                    <a:cxnSpLocks/>
+                  </p:cNvCxnSpPr>
+                  <p:nvPr/>
+                </p:nvCxnSpPr>
+                <p:spPr>
+                  <a:xfrm>
+                    <a:off x="7883390" y="5418453"/>
+                    <a:ext cx="530667" cy="0"/>
+                  </a:xfrm>
+                  <a:prstGeom prst="straightConnector1">
+                    <a:avLst/>
+                  </a:prstGeom>
+                  <a:ln w="28575">
+                    <a:tailEnd type="triangle"/>
+                  </a:ln>
+                </p:spPr>
+                <p:style>
+                  <a:lnRef idx="1">
+                    <a:schemeClr val="accent1"/>
+                  </a:lnRef>
+                  <a:fillRef idx="0">
+                    <a:schemeClr val="accent1"/>
+                  </a:fillRef>
+                  <a:effectRef idx="0">
+                    <a:schemeClr val="accent1"/>
+                  </a:effectRef>
+                  <a:fontRef idx="minor">
+                    <a:schemeClr val="tx1"/>
+                  </a:fontRef>
+                </p:style>
+              </p:cxnSp>
+              <p:sp>
+                <p:nvSpPr>
+                  <p:cNvPr id="19" name="ZoneTexte 18">
+                    <a:extLst>
+                      <a:ext uri="{FF2B5EF4-FFF2-40B4-BE49-F238E27FC236}">
+                        <a16:creationId xmlns:a16="http://schemas.microsoft.com/office/drawing/2014/main" id="{890B5DF8-4891-4F12-8CD2-641CD7557B75}"/>
+                      </a:ext>
+                    </a:extLst>
+                  </p:cNvPr>
+                  <p:cNvSpPr txBox="1"/>
+                  <p:nvPr/>
+                </p:nvSpPr>
+                <p:spPr>
+                  <a:xfrm>
+                    <a:off x="6179819" y="2476282"/>
+                    <a:ext cx="929117" cy="307777"/>
+                  </a:xfrm>
+                  <a:prstGeom prst="rect">
+                    <a:avLst/>
+                  </a:prstGeom>
+                  <a:noFill/>
+                </p:spPr>
+                <p:txBody>
+                  <a:bodyPr wrap="square" rtlCol="0">
+                    <a:spAutoFit/>
+                  </a:bodyPr>
+                  <a:lstStyle/>
+                  <a:p>
+                    <a:r>
+                      <a:rPr lang="en-US" sz="1400">
+                        <a:latin typeface="Vijaya" panose="020B0502040204020203" pitchFamily="18" charset="0"/>
+                        <a:ea typeface="Batang" panose="020B0503020000020004" pitchFamily="18" charset="-127"/>
+                        <a:cs typeface="Vijaya" panose="020B0502040204020203" pitchFamily="18" charset="0"/>
+                      </a:rPr>
+                      <a:t>ANN 20x32</a:t>
+                    </a:r>
+                  </a:p>
+                </p:txBody>
+              </p:sp>
+              <p:sp>
+                <p:nvSpPr>
+                  <p:cNvPr id="25" name="ZoneTexte 24">
+                    <a:extLst>
+                      <a:ext uri="{FF2B5EF4-FFF2-40B4-BE49-F238E27FC236}">
+                        <a16:creationId xmlns:a16="http://schemas.microsoft.com/office/drawing/2014/main" id="{B74C9A92-36F0-421E-B69E-6680592EE122}"/>
+                      </a:ext>
+                    </a:extLst>
+                  </p:cNvPr>
+                  <p:cNvSpPr txBox="1"/>
+                  <p:nvPr/>
+                </p:nvSpPr>
+                <p:spPr>
+                  <a:xfrm>
+                    <a:off x="3886479" y="3800612"/>
+                    <a:ext cx="1899571" cy="307777"/>
+                  </a:xfrm>
+                  <a:prstGeom prst="rect">
+                    <a:avLst/>
+                  </a:prstGeom>
+                  <a:noFill/>
+                </p:spPr>
+                <p:txBody>
+                  <a:bodyPr wrap="square" rtlCol="0">
+                    <a:spAutoFit/>
+                  </a:bodyPr>
+                  <a:lstStyle/>
+                  <a:p>
+                    <a:r>
+                      <a:rPr lang="en-US" sz="1400" err="1">
+                        <a:latin typeface="Vijaya" panose="020B0502040204020203" pitchFamily="18" charset="0"/>
+                        <a:ea typeface="Batang" panose="020B0503020000020004" pitchFamily="18" charset="-127"/>
+                        <a:cs typeface="Vijaya" panose="020B0502040204020203" pitchFamily="18" charset="0"/>
+                      </a:rPr>
+                      <a:t>Classificateur</a:t>
+                    </a:r>
+                    <a:r>
+                      <a:rPr lang="en-US" sz="1400">
+                        <a:latin typeface="Vijaya" panose="020B0502040204020203" pitchFamily="18" charset="0"/>
+                        <a:ea typeface="Batang" panose="020B0503020000020004" pitchFamily="18" charset="-127"/>
+                        <a:cs typeface="Vijaya" panose="020B0502040204020203" pitchFamily="18" charset="0"/>
+                      </a:rPr>
+                      <a:t> + </a:t>
+                    </a:r>
+                    <a:r>
+                      <a:rPr lang="en-US" sz="1400" err="1">
+                        <a:latin typeface="Vijaya" panose="020B0502040204020203" pitchFamily="18" charset="0"/>
+                        <a:ea typeface="Batang" panose="020B0503020000020004" pitchFamily="18" charset="-127"/>
+                        <a:cs typeface="Vijaya" panose="020B0502040204020203" pitchFamily="18" charset="0"/>
+                      </a:rPr>
+                      <a:t>Regresseur</a:t>
+                    </a:r>
+                    <a:endParaRPr lang="en-US" sz="1400">
                       <a:latin typeface="Vijaya" panose="020B0502040204020203" pitchFamily="18" charset="0"/>
                       <a:ea typeface="Batang" panose="020B0503020000020004" pitchFamily="18" charset="-127"/>
                       <a:cs typeface="Vijaya" panose="020B0502040204020203" pitchFamily="18" charset="0"/>
-                    </a:rPr>
-                    <a:t>Baseline observations</a:t>
-                  </a:r>
-                </a:p>
-              </p:txBody>
-            </p:sp>
-            <p:sp>
-              <p:nvSpPr>
-                <p:cNvPr id="22" name="ZoneTexte 21">
+                    </a:endParaRPr>
+                  </a:p>
+                </p:txBody>
+              </p:sp>
+              <p:sp>
+                <p:nvSpPr>
+                  <p:cNvPr id="26" name="ZoneTexte 25">
+                    <a:extLst>
+                      <a:ext uri="{FF2B5EF4-FFF2-40B4-BE49-F238E27FC236}">
+                        <a16:creationId xmlns:a16="http://schemas.microsoft.com/office/drawing/2014/main" id="{9AA9B47E-1E1C-4436-8574-5E8A915CCFCD}"/>
+                      </a:ext>
+                    </a:extLst>
+                  </p:cNvPr>
+                  <p:cNvSpPr txBox="1"/>
+                  <p:nvPr/>
+                </p:nvSpPr>
+                <p:spPr>
+                  <a:xfrm>
+                    <a:off x="5017653" y="4164442"/>
+                    <a:ext cx="1521004" cy="307777"/>
+                  </a:xfrm>
+                  <a:prstGeom prst="rect">
+                    <a:avLst/>
+                  </a:prstGeom>
+                  <a:noFill/>
+                </p:spPr>
+                <p:txBody>
+                  <a:bodyPr wrap="square" rtlCol="0">
+                    <a:spAutoFit/>
+                  </a:bodyPr>
+                  <a:lstStyle/>
+                  <a:p>
+                    <a:r>
+                      <a:rPr lang="en-US" sz="1400" i="1" dirty="0">
+                        <a:latin typeface="Vijaya" panose="020B0502040204020203" pitchFamily="18" charset="0"/>
+                        <a:ea typeface="Batang" panose="020B0503020000020004" pitchFamily="18" charset="-127"/>
+                        <a:cs typeface="Vijaya" panose="020B0502040204020203" pitchFamily="18" charset="0"/>
+                      </a:rPr>
+                      <a:t>month</a:t>
+                    </a:r>
+                    <a:r>
+                      <a:rPr lang="en-US" sz="1400" dirty="0">
+                        <a:latin typeface="Vijaya" panose="020B0502040204020203" pitchFamily="18" charset="0"/>
+                        <a:ea typeface="Batang" panose="020B0503020000020004" pitchFamily="18" charset="-127"/>
+                        <a:cs typeface="Vijaya" panose="020B0502040204020203" pitchFamily="18" charset="0"/>
+                      </a:rPr>
+                      <a:t> </a:t>
+                    </a:r>
+                    <a:r>
+                      <a:rPr lang="en-US" sz="1400" dirty="0" err="1">
+                        <a:latin typeface="Vijaya" panose="020B0502040204020203" pitchFamily="18" charset="0"/>
+                        <a:ea typeface="Batang" panose="020B0503020000020004" pitchFamily="18" charset="-127"/>
+                        <a:cs typeface="Vijaya" panose="020B0502040204020203" pitchFamily="18" charset="0"/>
+                      </a:rPr>
+                      <a:t>comme</a:t>
+                    </a:r>
+                    <a:r>
+                      <a:rPr lang="en-US" sz="1400" dirty="0">
+                        <a:latin typeface="Vijaya" panose="020B0502040204020203" pitchFamily="18" charset="0"/>
+                        <a:ea typeface="Batang" panose="020B0503020000020004" pitchFamily="18" charset="-127"/>
+                        <a:cs typeface="Vijaya" panose="020B0502040204020203" pitchFamily="18" charset="0"/>
+                      </a:rPr>
+                      <a:t> Cos/Sin</a:t>
+                    </a:r>
+                  </a:p>
+                </p:txBody>
+              </p:sp>
+              <p:sp>
+                <p:nvSpPr>
+                  <p:cNvPr id="31" name="ZoneTexte 30">
+                    <a:extLst>
+                      <a:ext uri="{FF2B5EF4-FFF2-40B4-BE49-F238E27FC236}">
+                        <a16:creationId xmlns:a16="http://schemas.microsoft.com/office/drawing/2014/main" id="{1CE892B0-3AAB-4894-B697-1CAA2224ED55}"/>
+                      </a:ext>
+                    </a:extLst>
+                  </p:cNvPr>
+                  <p:cNvSpPr txBox="1"/>
+                  <p:nvPr/>
+                </p:nvSpPr>
+                <p:spPr>
+                  <a:xfrm>
+                    <a:off x="6286747" y="5263169"/>
+                    <a:ext cx="1624613" cy="307777"/>
+                  </a:xfrm>
+                  <a:prstGeom prst="rect">
+                    <a:avLst/>
+                  </a:prstGeom>
+                  <a:noFill/>
+                </p:spPr>
+                <p:txBody>
+                  <a:bodyPr wrap="square" rtlCol="0">
+                    <a:spAutoFit/>
+                  </a:bodyPr>
+                  <a:lstStyle/>
+                  <a:p>
+                    <a:pPr algn="r"/>
+                    <a:r>
+                      <a:rPr lang="en-US" sz="1400" err="1">
+                        <a:latin typeface="Vijaya" panose="020B0502040204020203" pitchFamily="18" charset="0"/>
+                        <a:ea typeface="Batang" panose="020B0503020000020004" pitchFamily="18" charset="-127"/>
+                        <a:cs typeface="Vijaya" panose="020B0502040204020203" pitchFamily="18" charset="0"/>
+                      </a:rPr>
+                      <a:t>Ajout</a:t>
+                    </a:r>
+                    <a:r>
+                      <a:rPr lang="en-US" sz="1400">
+                        <a:latin typeface="Vijaya" panose="020B0502040204020203" pitchFamily="18" charset="0"/>
+                        <a:ea typeface="Batang" panose="020B0503020000020004" pitchFamily="18" charset="-127"/>
+                        <a:cs typeface="Vijaya" panose="020B0502040204020203" pitchFamily="18" charset="0"/>
+                      </a:rPr>
+                      <a:t> Baseline forecast</a:t>
+                    </a:r>
+                  </a:p>
+                </p:txBody>
+              </p:sp>
+              <p:cxnSp>
+                <p:nvCxnSpPr>
+                  <p:cNvPr id="32" name="Connecteur droit avec flèche 31">
+                    <a:extLst>
+                      <a:ext uri="{FF2B5EF4-FFF2-40B4-BE49-F238E27FC236}">
+                        <a16:creationId xmlns:a16="http://schemas.microsoft.com/office/drawing/2014/main" id="{B43D66E3-1E6F-4DDC-A42D-D6C2021E3675}"/>
+                      </a:ext>
+                    </a:extLst>
+                  </p:cNvPr>
+                  <p:cNvCxnSpPr>
+                    <a:cxnSpLocks/>
+                  </p:cNvCxnSpPr>
+                  <p:nvPr/>
+                </p:nvCxnSpPr>
+                <p:spPr>
+                  <a:xfrm>
+                    <a:off x="8753382" y="4567396"/>
+                    <a:ext cx="0" cy="784549"/>
+                  </a:xfrm>
+                  <a:prstGeom prst="straightConnector1">
+                    <a:avLst/>
+                  </a:prstGeom>
+                  <a:ln w="28575">
+                    <a:tailEnd type="triangle"/>
+                  </a:ln>
+                </p:spPr>
+                <p:style>
+                  <a:lnRef idx="1">
+                    <a:schemeClr val="accent1"/>
+                  </a:lnRef>
+                  <a:fillRef idx="0">
+                    <a:schemeClr val="accent1"/>
+                  </a:fillRef>
+                  <a:effectRef idx="0">
+                    <a:schemeClr val="accent1"/>
+                  </a:effectRef>
+                  <a:fontRef idx="minor">
+                    <a:schemeClr val="tx1"/>
+                  </a:fontRef>
+                </p:style>
+              </p:cxnSp>
+              <p:sp>
+                <p:nvSpPr>
+                  <p:cNvPr id="36" name="ZoneTexte 35">
+                    <a:extLst>
+                      <a:ext uri="{FF2B5EF4-FFF2-40B4-BE49-F238E27FC236}">
+                        <a16:creationId xmlns:a16="http://schemas.microsoft.com/office/drawing/2014/main" id="{0E964FFC-6677-440A-8A38-1F96223B3946}"/>
+                      </a:ext>
+                    </a:extLst>
+                  </p:cNvPr>
+                  <p:cNvSpPr txBox="1"/>
+                  <p:nvPr/>
+                </p:nvSpPr>
+                <p:spPr>
+                  <a:xfrm>
+                    <a:off x="8148723" y="4291893"/>
+                    <a:ext cx="964429" cy="307777"/>
+                  </a:xfrm>
+                  <a:prstGeom prst="rect">
+                    <a:avLst/>
+                  </a:prstGeom>
+                  <a:noFill/>
+                </p:spPr>
+                <p:txBody>
+                  <a:bodyPr wrap="square" rtlCol="0">
+                    <a:spAutoFit/>
+                  </a:bodyPr>
+                  <a:lstStyle/>
+                  <a:p>
+                    <a:r>
+                      <a:rPr lang="en-US" sz="1400" err="1">
+                        <a:latin typeface="Vijaya" panose="020B0502040204020203" pitchFamily="18" charset="0"/>
+                        <a:ea typeface="Batang" panose="020B0503020000020004" pitchFamily="18" charset="-127"/>
+                        <a:cs typeface="Vijaya" panose="020B0502040204020203" pitchFamily="18" charset="0"/>
+                      </a:rPr>
+                      <a:t>Modèle</a:t>
+                    </a:r>
+                    <a:r>
+                      <a:rPr lang="en-US" sz="1400">
+                        <a:latin typeface="Vijaya" panose="020B0502040204020203" pitchFamily="18" charset="0"/>
+                        <a:ea typeface="Batang" panose="020B0503020000020004" pitchFamily="18" charset="-127"/>
+                        <a:cs typeface="Vijaya" panose="020B0502040204020203" pitchFamily="18" charset="0"/>
+                      </a:rPr>
+                      <a:t> final</a:t>
+                    </a:r>
+                  </a:p>
+                </p:txBody>
+              </p:sp>
+              <p:cxnSp>
+                <p:nvCxnSpPr>
+                  <p:cNvPr id="44" name="Connecteur droit avec flèche 43">
+                    <a:extLst>
+                      <a:ext uri="{FF2B5EF4-FFF2-40B4-BE49-F238E27FC236}">
+                        <a16:creationId xmlns:a16="http://schemas.microsoft.com/office/drawing/2014/main" id="{DD48B99F-D0CA-4537-ADA4-31F11C5CC79D}"/>
+                      </a:ext>
+                    </a:extLst>
+                  </p:cNvPr>
+                  <p:cNvCxnSpPr>
+                    <a:cxnSpLocks/>
+                  </p:cNvCxnSpPr>
+                  <p:nvPr/>
+                </p:nvCxnSpPr>
+                <p:spPr>
+                  <a:xfrm flipV="1">
+                    <a:off x="4324905" y="2362801"/>
+                    <a:ext cx="0" cy="459298"/>
+                  </a:xfrm>
+                  <a:prstGeom prst="straightConnector1">
+                    <a:avLst/>
+                  </a:prstGeom>
+                  <a:ln w="28575">
+                    <a:tailEnd type="triangle"/>
+                  </a:ln>
+                </p:spPr>
+                <p:style>
+                  <a:lnRef idx="1">
+                    <a:schemeClr val="accent1"/>
+                  </a:lnRef>
+                  <a:fillRef idx="0">
+                    <a:schemeClr val="accent1"/>
+                  </a:fillRef>
+                  <a:effectRef idx="0">
+                    <a:schemeClr val="accent1"/>
+                  </a:effectRef>
+                  <a:fontRef idx="minor">
+                    <a:schemeClr val="tx1"/>
+                  </a:fontRef>
+                </p:style>
+              </p:cxnSp>
+            </p:grpSp>
+            <p:cxnSp>
+              <p:nvCxnSpPr>
+                <p:cNvPr id="51" name="Connecteur droit avec flèche 50">
                   <a:extLst>
                     <a:ext uri="{FF2B5EF4-FFF2-40B4-BE49-F238E27FC236}">
-                      <a16:creationId xmlns:a16="http://schemas.microsoft.com/office/drawing/2014/main" id="{3F1FA828-B9E7-42AD-8DF9-9C5FDC5690B5}"/>
-                    </a:ext>
-                  </a:extLst>
-                </p:cNvPr>
-                <p:cNvSpPr txBox="1"/>
-                <p:nvPr/>
-              </p:nvSpPr>
-              <p:spPr>
-                <a:xfrm>
-                  <a:off x="4811695" y="1843587"/>
-                  <a:ext cx="1669004" cy="307777"/>
-                </a:xfrm>
-                <a:prstGeom prst="rect">
-                  <a:avLst/>
-                </a:prstGeom>
-                <a:noFill/>
-              </p:spPr>
-              <p:txBody>
-                <a:bodyPr wrap="square" rtlCol="0">
-                  <a:spAutoFit/>
-                </a:bodyPr>
-                <a:lstStyle/>
-                <a:p>
-                  <a:r>
-                    <a:rPr lang="en-US" sz="1400">
-                      <a:latin typeface="Vijaya" panose="020B0502040204020203" pitchFamily="18" charset="0"/>
-                      <a:ea typeface="Batang" panose="020B0503020000020004" pitchFamily="18" charset="-127"/>
-                      <a:cs typeface="Vijaya" panose="020B0502040204020203" pitchFamily="18" charset="0"/>
-                    </a:rPr>
-                    <a:t>Régression linéaire</a:t>
-                  </a:r>
-                </a:p>
-              </p:txBody>
-            </p:sp>
-            <p:cxnSp>
-              <p:nvCxnSpPr>
-                <p:cNvPr id="14" name="Connecteur droit avec flèche 13">
-                  <a:extLst>
-                    <a:ext uri="{FF2B5EF4-FFF2-40B4-BE49-F238E27FC236}">
-                      <a16:creationId xmlns:a16="http://schemas.microsoft.com/office/drawing/2014/main" id="{74B6EC4A-55E3-4884-8056-F9C2089965DA}"/>
+                      <a16:creationId xmlns:a16="http://schemas.microsoft.com/office/drawing/2014/main" id="{AD63981D-440E-47EC-92A9-BC6A487D8CD4}"/>
                     </a:ext>
                   </a:extLst>
                 </p:cNvPr>
                 <p:cNvCxnSpPr>
                   <a:cxnSpLocks/>
-                  <a:stCxn id="22" idx="1"/>
                 </p:cNvCxnSpPr>
                 <p:nvPr/>
               </p:nvCxnSpPr>
               <p:spPr>
                 <a:xfrm flipH="1">
-                  <a:off x="4125193" y="1997476"/>
+                  <a:off x="5409498" y="2731836"/>
                   <a:ext cx="686502" cy="120882"/>
                 </a:xfrm>
                 <a:prstGeom prst="straightConnector1">
@@ -11304,53 +11746,93 @@
                 </a:fontRef>
               </p:style>
             </p:cxnSp>
-            <p:cxnSp>
-              <p:nvCxnSpPr>
-                <p:cNvPr id="18" name="Connecteur droit avec flèche 17">
+          </p:grpSp>
+          <p:grpSp>
+            <p:nvGrpSpPr>
+              <p:cNvPr id="46" name="Groupe 45">
+                <a:extLst>
+                  <a:ext uri="{FF2B5EF4-FFF2-40B4-BE49-F238E27FC236}">
+                    <a16:creationId xmlns:a16="http://schemas.microsoft.com/office/drawing/2014/main" id="{7FDE7DC3-C821-4D52-87F7-233E9D586903}"/>
+                  </a:ext>
+                </a:extLst>
+              </p:cNvPr>
+              <p:cNvGrpSpPr/>
+              <p:nvPr/>
+            </p:nvGrpSpPr>
+            <p:grpSpPr>
+              <a:xfrm>
+                <a:off x="7275763" y="2688864"/>
+                <a:ext cx="1624613" cy="461665"/>
+                <a:chOff x="833827" y="3935322"/>
+                <a:chExt cx="2005224" cy="461665"/>
+              </a:xfrm>
+            </p:grpSpPr>
+            <p:pic>
+              <p:nvPicPr>
+                <p:cNvPr id="41" name="Image 40">
                   <a:extLst>
                     <a:ext uri="{FF2B5EF4-FFF2-40B4-BE49-F238E27FC236}">
-                      <a16:creationId xmlns:a16="http://schemas.microsoft.com/office/drawing/2014/main" id="{E17EBE50-863D-4853-A90E-BB2F0898BA6D}"/>
+                      <a16:creationId xmlns:a16="http://schemas.microsoft.com/office/drawing/2014/main" id="{72BD0466-0A61-4D32-85C7-2A425F9D5D47}"/>
                     </a:ext>
                   </a:extLst>
                 </p:cNvPr>
-                <p:cNvCxnSpPr>
-                  <a:cxnSpLocks/>
-                </p:cNvCxnSpPr>
+                <p:cNvPicPr>
+                  <a:picLocks noChangeAspect="1"/>
+                </p:cNvPicPr>
                 <p:nvPr/>
-              </p:nvCxnSpPr>
+              </p:nvPicPr>
+              <p:blipFill>
+                <a:blip r:embed="rId3"/>
+                <a:stretch>
+                  <a:fillRect/>
+                </a:stretch>
+              </p:blipFill>
               <p:spPr>
                 <a:xfrm>
-                  <a:off x="7883390" y="5418453"/>
-                  <a:ext cx="530667" cy="0"/>
+                  <a:off x="833827" y="4213058"/>
+                  <a:ext cx="486264" cy="82573"/>
                 </a:xfrm>
-                <a:prstGeom prst="straightConnector1">
+                <a:prstGeom prst="rect">
                   <a:avLst/>
                 </a:prstGeom>
-                <a:ln w="28575">
-                  <a:tailEnd type="triangle"/>
-                </a:ln>
               </p:spPr>
-              <p:style>
-                <a:lnRef idx="1">
-                  <a:schemeClr val="accent1"/>
-                </a:lnRef>
-                <a:fillRef idx="0">
-                  <a:schemeClr val="accent1"/>
-                </a:fillRef>
-                <a:effectRef idx="0">
-                  <a:schemeClr val="accent1"/>
-                </a:effectRef>
-                <a:fontRef idx="minor">
-                  <a:schemeClr val="tx1"/>
-                </a:fontRef>
-              </p:style>
-            </p:cxnSp>
+            </p:pic>
+            <p:pic>
+              <p:nvPicPr>
+                <p:cNvPr id="37" name="Image 36">
+                  <a:extLst>
+                    <a:ext uri="{FF2B5EF4-FFF2-40B4-BE49-F238E27FC236}">
+                      <a16:creationId xmlns:a16="http://schemas.microsoft.com/office/drawing/2014/main" id="{63837E64-BCA1-4E39-8412-1317463C9D5B}"/>
+                    </a:ext>
+                  </a:extLst>
+                </p:cNvPr>
+                <p:cNvPicPr>
+                  <a:picLocks noChangeAspect="1"/>
+                </p:cNvPicPr>
+                <p:nvPr/>
+              </p:nvPicPr>
+              <p:blipFill>
+                <a:blip r:embed="rId4"/>
+                <a:stretch>
+                  <a:fillRect/>
+                </a:stretch>
+              </p:blipFill>
+              <p:spPr>
+                <a:xfrm>
+                  <a:off x="833827" y="4029457"/>
+                  <a:ext cx="505963" cy="91993"/>
+                </a:xfrm>
+                <a:prstGeom prst="rect">
+                  <a:avLst/>
+                </a:prstGeom>
+              </p:spPr>
+            </p:pic>
             <p:sp>
               <p:nvSpPr>
-                <p:cNvPr id="19" name="ZoneTexte 18">
+                <p:cNvPr id="45" name="ZoneTexte 44">
                   <a:extLst>
                     <a:ext uri="{FF2B5EF4-FFF2-40B4-BE49-F238E27FC236}">
-                      <a16:creationId xmlns:a16="http://schemas.microsoft.com/office/drawing/2014/main" id="{890B5DF8-4891-4F12-8CD2-641CD7557B75}"/>
+                      <a16:creationId xmlns:a16="http://schemas.microsoft.com/office/drawing/2014/main" id="{CCBBEC17-114D-4066-9713-EB474CEC1F22}"/>
                     </a:ext>
                   </a:extLst>
                 </p:cNvPr>
@@ -11359,8 +11841,8 @@
               </p:nvSpPr>
               <p:spPr>
                 <a:xfrm>
-                  <a:off x="6179819" y="2476282"/>
-                  <a:ext cx="929117" cy="307777"/>
+                  <a:off x="1284029" y="3935322"/>
+                  <a:ext cx="1555022" cy="461665"/>
                 </a:xfrm>
                 <a:prstGeom prst="rect">
                   <a:avLst/>
@@ -11374,574 +11856,113 @@
                 <a:lstStyle/>
                 <a:p>
                   <a:r>
-                    <a:rPr lang="en-US" sz="1400">
+                    <a:rPr lang="en-US" sz="1200">
                       <a:latin typeface="Vijaya" panose="020B0502040204020203" pitchFamily="18" charset="0"/>
                       <a:ea typeface="Batang" panose="020B0503020000020004" pitchFamily="18" charset="-127"/>
                       <a:cs typeface="Vijaya" panose="020B0502040204020203" pitchFamily="18" charset="0"/>
                     </a:rPr>
-                    <a:t>ANN 20x32</a:t>
+                    <a:t>Baseline Observation</a:t>
                   </a:r>
                 </a:p>
-              </p:txBody>
-            </p:sp>
-            <p:sp>
-              <p:nvSpPr>
-                <p:cNvPr id="25" name="ZoneTexte 24">
-                  <a:extLst>
-                    <a:ext uri="{FF2B5EF4-FFF2-40B4-BE49-F238E27FC236}">
-                      <a16:creationId xmlns:a16="http://schemas.microsoft.com/office/drawing/2014/main" id="{B74C9A92-36F0-421E-B69E-6680592EE122}"/>
-                    </a:ext>
-                  </a:extLst>
-                </p:cNvPr>
-                <p:cNvSpPr txBox="1"/>
-                <p:nvPr/>
-              </p:nvSpPr>
-              <p:spPr>
-                <a:xfrm>
-                  <a:off x="3886479" y="3800612"/>
-                  <a:ext cx="1899571" cy="307777"/>
-                </a:xfrm>
-                <a:prstGeom prst="rect">
-                  <a:avLst/>
-                </a:prstGeom>
-                <a:noFill/>
-              </p:spPr>
-              <p:txBody>
-                <a:bodyPr wrap="square" rtlCol="0">
-                  <a:spAutoFit/>
-                </a:bodyPr>
-                <a:lstStyle/>
                 <a:p>
                   <a:r>
-                    <a:rPr lang="en-US" sz="1400" err="1">
+                    <a:rPr lang="en-US" sz="1200">
                       <a:latin typeface="Vijaya" panose="020B0502040204020203" pitchFamily="18" charset="0"/>
                       <a:ea typeface="Batang" panose="020B0503020000020004" pitchFamily="18" charset="-127"/>
                       <a:cs typeface="Vijaya" panose="020B0502040204020203" pitchFamily="18" charset="0"/>
                     </a:rPr>
-                    <a:t>Classificateur</a:t>
+                    <a:t>Baseline Forecast</a:t>
                   </a:r>
-                  <a:r>
-                    <a:rPr lang="en-US" sz="1400">
-                      <a:latin typeface="Vijaya" panose="020B0502040204020203" pitchFamily="18" charset="0"/>
-                      <a:ea typeface="Batang" panose="020B0503020000020004" pitchFamily="18" charset="-127"/>
-                      <a:cs typeface="Vijaya" panose="020B0502040204020203" pitchFamily="18" charset="0"/>
-                    </a:rPr>
-                    <a:t> + </a:t>
-                  </a:r>
-                  <a:r>
-                    <a:rPr lang="en-US" sz="1400" err="1">
-                      <a:latin typeface="Vijaya" panose="020B0502040204020203" pitchFamily="18" charset="0"/>
-                      <a:ea typeface="Batang" panose="020B0503020000020004" pitchFamily="18" charset="-127"/>
-                      <a:cs typeface="Vijaya" panose="020B0502040204020203" pitchFamily="18" charset="0"/>
-                    </a:rPr>
-                    <a:t>Regresseur</a:t>
-                  </a:r>
-                  <a:endParaRPr lang="en-US" sz="1400">
-                    <a:latin typeface="Vijaya" panose="020B0502040204020203" pitchFamily="18" charset="0"/>
-                    <a:ea typeface="Batang" panose="020B0503020000020004" pitchFamily="18" charset="-127"/>
-                    <a:cs typeface="Vijaya" panose="020B0502040204020203" pitchFamily="18" charset="0"/>
-                  </a:endParaRPr>
+                  <a:endParaRPr lang="en-US" sz="1200"/>
                 </a:p>
               </p:txBody>
             </p:sp>
-            <p:sp>
-              <p:nvSpPr>
-                <p:cNvPr id="26" name="ZoneTexte 25">
-                  <a:extLst>
-                    <a:ext uri="{FF2B5EF4-FFF2-40B4-BE49-F238E27FC236}">
-                      <a16:creationId xmlns:a16="http://schemas.microsoft.com/office/drawing/2014/main" id="{9AA9B47E-1E1C-4436-8574-5E8A915CCFCD}"/>
-                    </a:ext>
-                  </a:extLst>
-                </p:cNvPr>
-                <p:cNvSpPr txBox="1"/>
-                <p:nvPr/>
-              </p:nvSpPr>
-              <p:spPr>
-                <a:xfrm>
-                  <a:off x="5017653" y="4164442"/>
-                  <a:ext cx="1521004" cy="307777"/>
-                </a:xfrm>
-                <a:prstGeom prst="rect">
-                  <a:avLst/>
-                </a:prstGeom>
-                <a:noFill/>
-              </p:spPr>
-              <p:txBody>
-                <a:bodyPr wrap="square" rtlCol="0">
-                  <a:spAutoFit/>
-                </a:bodyPr>
-                <a:lstStyle/>
-                <a:p>
-                  <a:r>
-                    <a:rPr lang="en-US" sz="1400" i="1" dirty="0">
-                      <a:latin typeface="Vijaya" panose="020B0502040204020203" pitchFamily="18" charset="0"/>
-                      <a:ea typeface="Batang" panose="020B0503020000020004" pitchFamily="18" charset="-127"/>
-                      <a:cs typeface="Vijaya" panose="020B0502040204020203" pitchFamily="18" charset="0"/>
-                    </a:rPr>
-                    <a:t>month</a:t>
-                  </a:r>
-                  <a:r>
-                    <a:rPr lang="en-US" sz="1400" dirty="0">
-                      <a:latin typeface="Vijaya" panose="020B0502040204020203" pitchFamily="18" charset="0"/>
-                      <a:ea typeface="Batang" panose="020B0503020000020004" pitchFamily="18" charset="-127"/>
-                      <a:cs typeface="Vijaya" panose="020B0502040204020203" pitchFamily="18" charset="0"/>
-                    </a:rPr>
-                    <a:t> </a:t>
-                  </a:r>
-                  <a:r>
-                    <a:rPr lang="en-US" sz="1400" dirty="0" err="1">
-                      <a:latin typeface="Vijaya" panose="020B0502040204020203" pitchFamily="18" charset="0"/>
-                      <a:ea typeface="Batang" panose="020B0503020000020004" pitchFamily="18" charset="-127"/>
-                      <a:cs typeface="Vijaya" panose="020B0502040204020203" pitchFamily="18" charset="0"/>
-                    </a:rPr>
-                    <a:t>comme</a:t>
-                  </a:r>
-                  <a:r>
-                    <a:rPr lang="en-US" sz="1400" dirty="0">
-                      <a:latin typeface="Vijaya" panose="020B0502040204020203" pitchFamily="18" charset="0"/>
-                      <a:ea typeface="Batang" panose="020B0503020000020004" pitchFamily="18" charset="-127"/>
-                      <a:cs typeface="Vijaya" panose="020B0502040204020203" pitchFamily="18" charset="0"/>
-                    </a:rPr>
-                    <a:t> Cos/Sin</a:t>
-                  </a:r>
-                </a:p>
-              </p:txBody>
-            </p:sp>
-            <p:sp>
-              <p:nvSpPr>
-                <p:cNvPr id="31" name="ZoneTexte 30">
-                  <a:extLst>
-                    <a:ext uri="{FF2B5EF4-FFF2-40B4-BE49-F238E27FC236}">
-                      <a16:creationId xmlns:a16="http://schemas.microsoft.com/office/drawing/2014/main" id="{1CE892B0-3AAB-4894-B697-1CAA2224ED55}"/>
-                    </a:ext>
-                  </a:extLst>
-                </p:cNvPr>
-                <p:cNvSpPr txBox="1"/>
-                <p:nvPr/>
-              </p:nvSpPr>
-              <p:spPr>
-                <a:xfrm>
-                  <a:off x="6286747" y="5263169"/>
-                  <a:ext cx="1624613" cy="307777"/>
-                </a:xfrm>
-                <a:prstGeom prst="rect">
-                  <a:avLst/>
-                </a:prstGeom>
-                <a:noFill/>
-              </p:spPr>
-              <p:txBody>
-                <a:bodyPr wrap="square" rtlCol="0">
-                  <a:spAutoFit/>
-                </a:bodyPr>
-                <a:lstStyle/>
-                <a:p>
-                  <a:pPr algn="r"/>
-                  <a:r>
-                    <a:rPr lang="en-US" sz="1400" err="1">
-                      <a:latin typeface="Vijaya" panose="020B0502040204020203" pitchFamily="18" charset="0"/>
-                      <a:ea typeface="Batang" panose="020B0503020000020004" pitchFamily="18" charset="-127"/>
-                      <a:cs typeface="Vijaya" panose="020B0502040204020203" pitchFamily="18" charset="0"/>
-                    </a:rPr>
-                    <a:t>Ajout</a:t>
-                  </a:r>
-                  <a:r>
-                    <a:rPr lang="en-US" sz="1400">
-                      <a:latin typeface="Vijaya" panose="020B0502040204020203" pitchFamily="18" charset="0"/>
-                      <a:ea typeface="Batang" panose="020B0503020000020004" pitchFamily="18" charset="-127"/>
-                      <a:cs typeface="Vijaya" panose="020B0502040204020203" pitchFamily="18" charset="0"/>
-                    </a:rPr>
-                    <a:t> Baseline forecast</a:t>
-                  </a:r>
-                </a:p>
-              </p:txBody>
-            </p:sp>
-            <p:cxnSp>
-              <p:nvCxnSpPr>
-                <p:cNvPr id="32" name="Connecteur droit avec flèche 31">
-                  <a:extLst>
-                    <a:ext uri="{FF2B5EF4-FFF2-40B4-BE49-F238E27FC236}">
-                      <a16:creationId xmlns:a16="http://schemas.microsoft.com/office/drawing/2014/main" id="{B43D66E3-1E6F-4DDC-A42D-D6C2021E3675}"/>
-                    </a:ext>
-                  </a:extLst>
-                </p:cNvPr>
-                <p:cNvCxnSpPr>
-                  <a:cxnSpLocks/>
-                </p:cNvCxnSpPr>
-                <p:nvPr/>
-              </p:nvCxnSpPr>
-              <p:spPr>
-                <a:xfrm>
-                  <a:off x="8753382" y="4567396"/>
-                  <a:ext cx="0" cy="784549"/>
-                </a:xfrm>
-                <a:prstGeom prst="straightConnector1">
-                  <a:avLst/>
-                </a:prstGeom>
-                <a:ln w="28575">
-                  <a:tailEnd type="triangle"/>
-                </a:ln>
-              </p:spPr>
-              <p:style>
-                <a:lnRef idx="1">
-                  <a:schemeClr val="accent1"/>
-                </a:lnRef>
-                <a:fillRef idx="0">
-                  <a:schemeClr val="accent1"/>
-                </a:fillRef>
-                <a:effectRef idx="0">
-                  <a:schemeClr val="accent1"/>
-                </a:effectRef>
-                <a:fontRef idx="minor">
-                  <a:schemeClr val="tx1"/>
-                </a:fontRef>
-              </p:style>
-            </p:cxnSp>
-            <p:sp>
-              <p:nvSpPr>
-                <p:cNvPr id="36" name="ZoneTexte 35">
-                  <a:extLst>
-                    <a:ext uri="{FF2B5EF4-FFF2-40B4-BE49-F238E27FC236}">
-                      <a16:creationId xmlns:a16="http://schemas.microsoft.com/office/drawing/2014/main" id="{0E964FFC-6677-440A-8A38-1F96223B3946}"/>
-                    </a:ext>
-                  </a:extLst>
-                </p:cNvPr>
-                <p:cNvSpPr txBox="1"/>
-                <p:nvPr/>
-              </p:nvSpPr>
-              <p:spPr>
-                <a:xfrm>
-                  <a:off x="8148723" y="4291893"/>
-                  <a:ext cx="964429" cy="307777"/>
-                </a:xfrm>
-                <a:prstGeom prst="rect">
-                  <a:avLst/>
-                </a:prstGeom>
-                <a:noFill/>
-              </p:spPr>
-              <p:txBody>
-                <a:bodyPr wrap="square" rtlCol="0">
-                  <a:spAutoFit/>
-                </a:bodyPr>
-                <a:lstStyle/>
-                <a:p>
-                  <a:r>
-                    <a:rPr lang="en-US" sz="1400" err="1">
-                      <a:latin typeface="Vijaya" panose="020B0502040204020203" pitchFamily="18" charset="0"/>
-                      <a:ea typeface="Batang" panose="020B0503020000020004" pitchFamily="18" charset="-127"/>
-                      <a:cs typeface="Vijaya" panose="020B0502040204020203" pitchFamily="18" charset="0"/>
-                    </a:rPr>
-                    <a:t>Modèle</a:t>
-                  </a:r>
-                  <a:r>
-                    <a:rPr lang="en-US" sz="1400">
-                      <a:latin typeface="Vijaya" panose="020B0502040204020203" pitchFamily="18" charset="0"/>
-                      <a:ea typeface="Batang" panose="020B0503020000020004" pitchFamily="18" charset="-127"/>
-                      <a:cs typeface="Vijaya" panose="020B0502040204020203" pitchFamily="18" charset="0"/>
-                    </a:rPr>
-                    <a:t> final</a:t>
-                  </a:r>
-                </a:p>
-              </p:txBody>
-            </p:sp>
-            <p:cxnSp>
-              <p:nvCxnSpPr>
-                <p:cNvPr id="44" name="Connecteur droit avec flèche 43">
-                  <a:extLst>
-                    <a:ext uri="{FF2B5EF4-FFF2-40B4-BE49-F238E27FC236}">
-                      <a16:creationId xmlns:a16="http://schemas.microsoft.com/office/drawing/2014/main" id="{DD48B99F-D0CA-4537-ADA4-31F11C5CC79D}"/>
-                    </a:ext>
-                  </a:extLst>
-                </p:cNvPr>
-                <p:cNvCxnSpPr>
-                  <a:cxnSpLocks/>
-                </p:cNvCxnSpPr>
-                <p:nvPr/>
-              </p:nvCxnSpPr>
-              <p:spPr>
-                <a:xfrm flipV="1">
-                  <a:off x="4324905" y="2362801"/>
-                  <a:ext cx="0" cy="459298"/>
-                </a:xfrm>
-                <a:prstGeom prst="straightConnector1">
-                  <a:avLst/>
-                </a:prstGeom>
-                <a:ln w="28575">
-                  <a:tailEnd type="triangle"/>
-                </a:ln>
-              </p:spPr>
-              <p:style>
-                <a:lnRef idx="1">
-                  <a:schemeClr val="accent1"/>
-                </a:lnRef>
-                <a:fillRef idx="0">
-                  <a:schemeClr val="accent1"/>
-                </a:fillRef>
-                <a:effectRef idx="0">
-                  <a:schemeClr val="accent1"/>
-                </a:effectRef>
-                <a:fontRef idx="minor">
-                  <a:schemeClr val="tx1"/>
-                </a:fontRef>
-              </p:style>
-            </p:cxnSp>
           </p:grpSp>
-          <p:cxnSp>
-            <p:nvCxnSpPr>
-              <p:cNvPr id="51" name="Connecteur droit avec flèche 50">
-                <a:extLst>
-                  <a:ext uri="{FF2B5EF4-FFF2-40B4-BE49-F238E27FC236}">
-                    <a16:creationId xmlns:a16="http://schemas.microsoft.com/office/drawing/2014/main" id="{AD63981D-440E-47EC-92A9-BC6A487D8CD4}"/>
-                  </a:ext>
-                </a:extLst>
-              </p:cNvPr>
-              <p:cNvCxnSpPr>
-                <a:cxnSpLocks/>
-              </p:cNvCxnSpPr>
-              <p:nvPr/>
-            </p:nvCxnSpPr>
-            <p:spPr>
-              <a:xfrm flipH="1">
-                <a:off x="5409498" y="2731836"/>
-                <a:ext cx="686502" cy="120882"/>
-              </a:xfrm>
-              <a:prstGeom prst="straightConnector1">
-                <a:avLst/>
-              </a:prstGeom>
-              <a:ln w="28575">
-                <a:tailEnd type="triangle"/>
-              </a:ln>
-            </p:spPr>
-            <p:style>
-              <a:lnRef idx="1">
-                <a:schemeClr val="accent1"/>
-              </a:lnRef>
-              <a:fillRef idx="0">
-                <a:schemeClr val="accent1"/>
-              </a:fillRef>
-              <a:effectRef idx="0">
-                <a:schemeClr val="accent1"/>
-              </a:effectRef>
-              <a:fontRef idx="minor">
-                <a:schemeClr val="tx1"/>
-              </a:fontRef>
-            </p:style>
-          </p:cxnSp>
         </p:grpSp>
-        <p:grpSp>
-          <p:nvGrpSpPr>
-            <p:cNvPr id="46" name="Groupe 45">
+        <p:cxnSp>
+          <p:nvCxnSpPr>
+            <p:cNvPr id="28" name="Connecteur droit avec flèche 27">
               <a:extLst>
                 <a:ext uri="{FF2B5EF4-FFF2-40B4-BE49-F238E27FC236}">
-                  <a16:creationId xmlns:a16="http://schemas.microsoft.com/office/drawing/2014/main" id="{7FDE7DC3-C821-4D52-87F7-233E9D586903}"/>
+                  <a16:creationId xmlns:a16="http://schemas.microsoft.com/office/drawing/2014/main" id="{FA9EA593-6277-4D47-84AC-FE4D20BAF734}"/>
                 </a:ext>
               </a:extLst>
             </p:cNvPr>
-            <p:cNvGrpSpPr/>
+            <p:cNvCxnSpPr>
+              <a:cxnSpLocks/>
+            </p:cNvCxnSpPr>
             <p:nvPr/>
-          </p:nvGrpSpPr>
-          <p:grpSpPr>
-            <a:xfrm>
-              <a:off x="7275763" y="2688864"/>
-              <a:ext cx="1624613" cy="461665"/>
-              <a:chOff x="833827" y="3935322"/>
-              <a:chExt cx="2005224" cy="461665"/>
+          </p:nvCxnSpPr>
+          <p:spPr>
+            <a:xfrm flipV="1">
+              <a:off x="5540188" y="3582296"/>
+              <a:ext cx="987063" cy="432953"/>
             </a:xfrm>
-          </p:grpSpPr>
-          <p:pic>
-            <p:nvPicPr>
-              <p:cNvPr id="41" name="Image 40">
-                <a:extLst>
-                  <a:ext uri="{FF2B5EF4-FFF2-40B4-BE49-F238E27FC236}">
-                    <a16:creationId xmlns:a16="http://schemas.microsoft.com/office/drawing/2014/main" id="{72BD0466-0A61-4D32-85C7-2A425F9D5D47}"/>
-                  </a:ext>
-                </a:extLst>
-              </p:cNvPr>
-              <p:cNvPicPr>
-                <a:picLocks noChangeAspect="1"/>
-              </p:cNvPicPr>
-              <p:nvPr/>
-            </p:nvPicPr>
-            <p:blipFill>
-              <a:blip r:embed="rId3"/>
-              <a:stretch>
-                <a:fillRect/>
-              </a:stretch>
-            </p:blipFill>
-            <p:spPr>
-              <a:xfrm>
-                <a:off x="833827" y="4213058"/>
-                <a:ext cx="486264" cy="82573"/>
-              </a:xfrm>
-              <a:prstGeom prst="rect">
-                <a:avLst/>
-              </a:prstGeom>
-            </p:spPr>
-          </p:pic>
-          <p:pic>
-            <p:nvPicPr>
-              <p:cNvPr id="37" name="Image 36">
-                <a:extLst>
-                  <a:ext uri="{FF2B5EF4-FFF2-40B4-BE49-F238E27FC236}">
-                    <a16:creationId xmlns:a16="http://schemas.microsoft.com/office/drawing/2014/main" id="{63837E64-BCA1-4E39-8412-1317463C9D5B}"/>
-                  </a:ext>
-                </a:extLst>
-              </p:cNvPr>
-              <p:cNvPicPr>
-                <a:picLocks noChangeAspect="1"/>
-              </p:cNvPicPr>
-              <p:nvPr/>
-            </p:nvPicPr>
-            <p:blipFill>
-              <a:blip r:embed="rId4"/>
-              <a:stretch>
-                <a:fillRect/>
-              </a:stretch>
-            </p:blipFill>
-            <p:spPr>
-              <a:xfrm>
-                <a:off x="833827" y="4029457"/>
-                <a:ext cx="505963" cy="91993"/>
-              </a:xfrm>
-              <a:prstGeom prst="rect">
-                <a:avLst/>
-              </a:prstGeom>
-            </p:spPr>
-          </p:pic>
-          <p:sp>
-            <p:nvSpPr>
-              <p:cNvPr id="45" name="ZoneTexte 44">
-                <a:extLst>
-                  <a:ext uri="{FF2B5EF4-FFF2-40B4-BE49-F238E27FC236}">
-                    <a16:creationId xmlns:a16="http://schemas.microsoft.com/office/drawing/2014/main" id="{CCBBEC17-114D-4066-9713-EB474CEC1F22}"/>
-                  </a:ext>
-                </a:extLst>
-              </p:cNvPr>
-              <p:cNvSpPr txBox="1"/>
-              <p:nvPr/>
-            </p:nvSpPr>
-            <p:spPr>
-              <a:xfrm>
-                <a:off x="1284029" y="3935322"/>
-                <a:ext cx="1555022" cy="461665"/>
-              </a:xfrm>
-              <a:prstGeom prst="rect">
-                <a:avLst/>
-              </a:prstGeom>
-              <a:noFill/>
-            </p:spPr>
-            <p:txBody>
-              <a:bodyPr wrap="square" rtlCol="0">
-                <a:spAutoFit/>
-              </a:bodyPr>
-              <a:lstStyle/>
-              <a:p>
-                <a:r>
-                  <a:rPr lang="en-US" sz="1200">
-                    <a:latin typeface="Vijaya" panose="020B0502040204020203" pitchFamily="18" charset="0"/>
-                    <a:ea typeface="Batang" panose="020B0503020000020004" pitchFamily="18" charset="-127"/>
-                    <a:cs typeface="Vijaya" panose="020B0502040204020203" pitchFamily="18" charset="0"/>
-                  </a:rPr>
-                  <a:t>Baseline Observation</a:t>
-                </a:r>
-              </a:p>
-              <a:p>
-                <a:r>
-                  <a:rPr lang="en-US" sz="1200">
-                    <a:latin typeface="Vijaya" panose="020B0502040204020203" pitchFamily="18" charset="0"/>
-                    <a:ea typeface="Batang" panose="020B0503020000020004" pitchFamily="18" charset="-127"/>
-                    <a:cs typeface="Vijaya" panose="020B0502040204020203" pitchFamily="18" charset="0"/>
-                  </a:rPr>
-                  <a:t>Baseline Forecast</a:t>
-                </a:r>
-                <a:endParaRPr lang="en-US" sz="1200"/>
-              </a:p>
-            </p:txBody>
-          </p:sp>
-        </p:grpSp>
+            <a:prstGeom prst="straightConnector1">
+              <a:avLst/>
+            </a:prstGeom>
+            <a:ln w="28575">
+              <a:tailEnd type="triangle"/>
+            </a:ln>
+          </p:spPr>
+          <p:style>
+            <a:lnRef idx="1">
+              <a:schemeClr val="accent1"/>
+            </a:lnRef>
+            <a:fillRef idx="0">
+              <a:schemeClr val="accent1"/>
+            </a:fillRef>
+            <a:effectRef idx="0">
+              <a:schemeClr val="accent1"/>
+            </a:effectRef>
+            <a:fontRef idx="minor">
+              <a:schemeClr val="tx1"/>
+            </a:fontRef>
+          </p:style>
+        </p:cxnSp>
+        <p:cxnSp>
+          <p:nvCxnSpPr>
+            <p:cNvPr id="33" name="Connecteur droit avec flèche 32">
+              <a:extLst>
+                <a:ext uri="{FF2B5EF4-FFF2-40B4-BE49-F238E27FC236}">
+                  <a16:creationId xmlns:a16="http://schemas.microsoft.com/office/drawing/2014/main" id="{C0E66FC1-A714-2749-8A79-D244598DB2DA}"/>
+                </a:ext>
+              </a:extLst>
+            </p:cNvPr>
+            <p:cNvCxnSpPr>
+              <a:cxnSpLocks/>
+              <a:stCxn id="26" idx="3"/>
+            </p:cNvCxnSpPr>
+            <p:nvPr/>
+          </p:nvCxnSpPr>
+          <p:spPr>
+            <a:xfrm flipV="1">
+              <a:off x="6417358" y="4167085"/>
+              <a:ext cx="833026" cy="209940"/>
+            </a:xfrm>
+            <a:prstGeom prst="straightConnector1">
+              <a:avLst/>
+            </a:prstGeom>
+            <a:ln w="28575">
+              <a:tailEnd type="triangle"/>
+            </a:ln>
+          </p:spPr>
+          <p:style>
+            <a:lnRef idx="1">
+              <a:schemeClr val="accent1"/>
+            </a:lnRef>
+            <a:fillRef idx="0">
+              <a:schemeClr val="accent1"/>
+            </a:fillRef>
+            <a:effectRef idx="0">
+              <a:schemeClr val="accent1"/>
+            </a:effectRef>
+            <a:fontRef idx="minor">
+              <a:schemeClr val="tx1"/>
+            </a:fontRef>
+          </p:style>
+        </p:cxnSp>
       </p:grpSp>
-      <p:cxnSp>
-        <p:nvCxnSpPr>
-          <p:cNvPr id="28" name="Connecteur droit avec flèche 27">
-            <a:extLst>
-              <a:ext uri="{FF2B5EF4-FFF2-40B4-BE49-F238E27FC236}">
-                <a16:creationId xmlns:a16="http://schemas.microsoft.com/office/drawing/2014/main" id="{FA9EA593-6277-4D47-84AC-FE4D20BAF734}"/>
-              </a:ext>
-            </a:extLst>
-          </p:cNvPr>
-          <p:cNvCxnSpPr>
-            <a:cxnSpLocks/>
-          </p:cNvCxnSpPr>
-          <p:nvPr/>
-        </p:nvCxnSpPr>
-        <p:spPr>
-          <a:xfrm flipV="1">
-            <a:off x="5540188" y="3582296"/>
-            <a:ext cx="987063" cy="432953"/>
-          </a:xfrm>
-          <a:prstGeom prst="straightConnector1">
-            <a:avLst/>
-          </a:prstGeom>
-          <a:ln w="28575">
-            <a:tailEnd type="triangle"/>
-          </a:ln>
-        </p:spPr>
-        <p:style>
-          <a:lnRef idx="1">
-            <a:schemeClr val="accent1"/>
-          </a:lnRef>
-          <a:fillRef idx="0">
-            <a:schemeClr val="accent1"/>
-          </a:fillRef>
-          <a:effectRef idx="0">
-            <a:schemeClr val="accent1"/>
-          </a:effectRef>
-          <a:fontRef idx="minor">
-            <a:schemeClr val="tx1"/>
-          </a:fontRef>
-        </p:style>
-      </p:cxnSp>
-      <p:cxnSp>
-        <p:nvCxnSpPr>
-          <p:cNvPr id="33" name="Connecteur droit avec flèche 32">
-            <a:extLst>
-              <a:ext uri="{FF2B5EF4-FFF2-40B4-BE49-F238E27FC236}">
-                <a16:creationId xmlns:a16="http://schemas.microsoft.com/office/drawing/2014/main" id="{C0E66FC1-A714-2749-8A79-D244598DB2DA}"/>
-              </a:ext>
-            </a:extLst>
-          </p:cNvPr>
-          <p:cNvCxnSpPr>
-            <a:cxnSpLocks/>
-            <a:stCxn id="26" idx="3"/>
-          </p:cNvCxnSpPr>
-          <p:nvPr/>
-        </p:nvCxnSpPr>
-        <p:spPr>
-          <a:xfrm flipV="1">
-            <a:off x="6417358" y="4167085"/>
-            <a:ext cx="833026" cy="209940"/>
-          </a:xfrm>
-          <a:prstGeom prst="straightConnector1">
-            <a:avLst/>
-          </a:prstGeom>
-          <a:ln w="28575">
-            <a:tailEnd type="triangle"/>
-          </a:ln>
-        </p:spPr>
-        <p:style>
-          <a:lnRef idx="1">
-            <a:schemeClr val="accent1"/>
-          </a:lnRef>
-          <a:fillRef idx="0">
-            <a:schemeClr val="accent1"/>
-          </a:fillRef>
-          <a:effectRef idx="0">
-            <a:schemeClr val="accent1"/>
-          </a:effectRef>
-          <a:fontRef idx="minor">
-            <a:schemeClr val="tx1"/>
-          </a:fontRef>
-        </p:style>
-      </p:cxnSp>
     </p:spTree>
     <p:extLst>
       <p:ext uri="{BB962C8B-B14F-4D97-AF65-F5344CB8AC3E}">
@@ -12017,105 +12038,6 @@
                                         </p:cTn>
                                         <p:tgtEl>
                                           <p:spTgt spid="7"/>
-                                        </p:tgtEl>
-                                        <p:attrNameLst>
-                                          <p:attrName>style.visibility</p:attrName>
-                                        </p:attrNameLst>
-                                      </p:cBhvr>
-                                      <p:to>
-                                        <p:strVal val="visible"/>
-                                      </p:to>
-                                    </p:set>
-                                  </p:childTnLst>
-                                </p:cTn>
-                              </p:par>
-                            </p:childTnLst>
-                          </p:cTn>
-                        </p:par>
-                      </p:childTnLst>
-                    </p:cTn>
-                  </p:par>
-                  <p:par>
-                    <p:cTn id="9" fill="hold">
-                      <p:stCondLst>
-                        <p:cond delay="indefinite"/>
-                      </p:stCondLst>
-                      <p:childTnLst>
-                        <p:par>
-                          <p:cTn id="10" fill="hold">
-                            <p:stCondLst>
-                              <p:cond delay="0"/>
-                            </p:stCondLst>
-                            <p:childTnLst>
-                              <p:par>
-                                <p:cTn id="11" presetID="1" presetClass="entr" presetSubtype="0" fill="hold" nodeType="clickEffect">
-                                  <p:stCondLst>
-                                    <p:cond delay="0"/>
-                                  </p:stCondLst>
-                                  <p:childTnLst>
-                                    <p:set>
-                                      <p:cBhvr>
-                                        <p:cTn id="12" dur="1" fill="hold">
-                                          <p:stCondLst>
-                                            <p:cond delay="0"/>
-                                          </p:stCondLst>
-                                        </p:cTn>
-                                        <p:tgtEl>
-                                          <p:spTgt spid="47"/>
-                                        </p:tgtEl>
-                                        <p:attrNameLst>
-                                          <p:attrName>style.visibility</p:attrName>
-                                        </p:attrNameLst>
-                                      </p:cBhvr>
-                                      <p:to>
-                                        <p:strVal val="visible"/>
-                                      </p:to>
-                                    </p:set>
-                                  </p:childTnLst>
-                                </p:cTn>
-                              </p:par>
-                              <p:par>
-                                <p:cTn id="13" presetID="1" presetClass="entr" presetSubtype="0" fill="hold" nodeType="withEffect">
-                                  <p:stCondLst>
-                                    <p:cond delay="0"/>
-                                  </p:stCondLst>
-                                  <p:childTnLst>
-                                    <p:set>
-                                      <p:cBhvr>
-                                        <p:cTn id="14" dur="1" fill="hold">
-                                          <p:stCondLst>
-                                            <p:cond delay="0"/>
-                                          </p:stCondLst>
-                                        </p:cTn>
-                                        <p:tgtEl>
-                                          <p:spTgt spid="28"/>
-                                        </p:tgtEl>
-                                        <p:attrNameLst>
-                                          <p:attrName>style.visibility</p:attrName>
-                                        </p:attrNameLst>
-                                      </p:cBhvr>
-                                      <p:to>
-                                        <p:strVal val="visible"/>
-                                      </p:to>
-                                    </p:set>
-                                  </p:childTnLst>
-                                </p:cTn>
-                              </p:par>
-                              <p:par>
-                                <p:cTn id="15" presetID="1" presetClass="entr" presetSubtype="0" fill="hold" nodeType="withEffect">
-                                  <p:stCondLst>
-                                    <p:cond delay="0"/>
-                                  </p:stCondLst>
-                                  <p:childTnLst>
-                                    <p:set>
-                                      <p:cBhvr>
-                                        <p:cTn id="16" dur="1" fill="hold">
-                                          <p:stCondLst>
-                                            <p:cond delay="0"/>
-                                          </p:stCondLst>
-                                        </p:cTn>
-                                        <p:tgtEl>
-                                          <p:spTgt spid="33"/>
                                         </p:tgtEl>
                                         <p:attrNameLst>
                                           <p:attrName>style.visibility</p:attrName>
